--- a/docs/MSLA.pptx
+++ b/docs/MSLA.pptx
@@ -120,18 +120,18 @@
   <pc:docChgLst>
     <pc:chgData name="John Peng" userId="af76b61eaa52bb00" providerId="LiveId" clId="{09199EAC-BA90-6D4D-9C25-8E6784950FFF}"/>
     <pc:docChg chg="custSel addSld modSld">
-      <pc:chgData name="John Peng" userId="af76b61eaa52bb00" providerId="LiveId" clId="{09199EAC-BA90-6D4D-9C25-8E6784950FFF}" dt="2019-01-14T17:59:52.659" v="334" actId="1076"/>
+      <pc:chgData name="John Peng" userId="af76b61eaa52bb00" providerId="LiveId" clId="{09199EAC-BA90-6D4D-9C25-8E6784950FFF}" dt="2019-01-15T01:14:38.428" v="598" actId="313"/>
       <pc:docMkLst>
         <pc:docMk/>
       </pc:docMkLst>
       <pc:sldChg chg="modSp">
-        <pc:chgData name="John Peng" userId="af76b61eaa52bb00" providerId="LiveId" clId="{09199EAC-BA90-6D4D-9C25-8E6784950FFF}" dt="2019-01-14T16:49:15.291" v="322" actId="20577"/>
+        <pc:chgData name="John Peng" userId="af76b61eaa52bb00" providerId="LiveId" clId="{09199EAC-BA90-6D4D-9C25-8E6784950FFF}" dt="2019-01-15T01:10:55.187" v="574" actId="20577"/>
         <pc:sldMkLst>
           <pc:docMk/>
           <pc:sldMk cId="107430572" sldId="259"/>
         </pc:sldMkLst>
         <pc:spChg chg="mod">
-          <ac:chgData name="John Peng" userId="af76b61eaa52bb00" providerId="LiveId" clId="{09199EAC-BA90-6D4D-9C25-8E6784950FFF}" dt="2019-01-14T16:49:15.291" v="322" actId="20577"/>
+          <ac:chgData name="John Peng" userId="af76b61eaa52bb00" providerId="LiveId" clId="{09199EAC-BA90-6D4D-9C25-8E6784950FFF}" dt="2019-01-15T01:10:55.187" v="574" actId="20577"/>
           <ac:spMkLst>
             <pc:docMk/>
             <pc:sldMk cId="107430572" sldId="259"/>
@@ -140,13 +140,28 @@
         </pc:spChg>
       </pc:sldChg>
       <pc:sldChg chg="modSp">
-        <pc:chgData name="John Peng" userId="af76b61eaa52bb00" providerId="LiveId" clId="{09199EAC-BA90-6D4D-9C25-8E6784950FFF}" dt="2019-01-14T17:03:45.932" v="326" actId="20577"/>
+        <pc:chgData name="John Peng" userId="af76b61eaa52bb00" providerId="LiveId" clId="{09199EAC-BA90-6D4D-9C25-8E6784950FFF}" dt="2019-01-15T01:08:07.800" v="427" actId="255"/>
+        <pc:sldMkLst>
+          <pc:docMk/>
+          <pc:sldMk cId="2292997941" sldId="260"/>
+        </pc:sldMkLst>
+        <pc:spChg chg="mod">
+          <ac:chgData name="John Peng" userId="af76b61eaa52bb00" providerId="LiveId" clId="{09199EAC-BA90-6D4D-9C25-8E6784950FFF}" dt="2019-01-15T01:08:07.800" v="427" actId="255"/>
+          <ac:spMkLst>
+            <pc:docMk/>
+            <pc:sldMk cId="2292997941" sldId="260"/>
+            <ac:spMk id="3" creationId="{C5769980-5DD2-7E4C-BF50-B4708124DD5B}"/>
+          </ac:spMkLst>
+        </pc:spChg>
+      </pc:sldChg>
+      <pc:sldChg chg="modSp">
+        <pc:chgData name="John Peng" userId="af76b61eaa52bb00" providerId="LiveId" clId="{09199EAC-BA90-6D4D-9C25-8E6784950FFF}" dt="2019-01-15T01:05:01.307" v="395" actId="20577"/>
         <pc:sldMkLst>
           <pc:docMk/>
           <pc:sldMk cId="3904349961" sldId="262"/>
         </pc:sldMkLst>
         <pc:spChg chg="mod">
-          <ac:chgData name="John Peng" userId="af76b61eaa52bb00" providerId="LiveId" clId="{09199EAC-BA90-6D4D-9C25-8E6784950FFF}" dt="2019-01-14T17:03:45.932" v="326" actId="20577"/>
+          <ac:chgData name="John Peng" userId="af76b61eaa52bb00" providerId="LiveId" clId="{09199EAC-BA90-6D4D-9C25-8E6784950FFF}" dt="2019-01-15T01:05:01.307" v="395" actId="20577"/>
           <ac:spMkLst>
             <pc:docMk/>
             <pc:sldMk cId="3904349961" sldId="262"/>
@@ -194,7 +209,7 @@
         </pc:picChg>
       </pc:sldChg>
       <pc:sldChg chg="modSp add">
-        <pc:chgData name="John Peng" userId="af76b61eaa52bb00" providerId="LiveId" clId="{09199EAC-BA90-6D4D-9C25-8E6784950FFF}" dt="2019-01-14T16:47:29.279" v="268" actId="14"/>
+        <pc:chgData name="John Peng" userId="af76b61eaa52bb00" providerId="LiveId" clId="{09199EAC-BA90-6D4D-9C25-8E6784950FFF}" dt="2019-01-15T01:14:38.428" v="598" actId="313"/>
         <pc:sldMkLst>
           <pc:docMk/>
           <pc:sldMk cId="759828250" sldId="264"/>
@@ -208,7 +223,7 @@
           </ac:spMkLst>
         </pc:spChg>
         <pc:spChg chg="mod">
-          <ac:chgData name="John Peng" userId="af76b61eaa52bb00" providerId="LiveId" clId="{09199EAC-BA90-6D4D-9C25-8E6784950FFF}" dt="2019-01-14T16:47:29.279" v="268" actId="14"/>
+          <ac:chgData name="John Peng" userId="af76b61eaa52bb00" providerId="LiveId" clId="{09199EAC-BA90-6D4D-9C25-8E6784950FFF}" dt="2019-01-15T01:14:38.428" v="598" actId="313"/>
           <ac:spMkLst>
             <pc:docMk/>
             <pc:sldMk cId="759828250" sldId="264"/>
@@ -3557,6 +3572,33 @@
           </a:p>
           <a:p>
             <a:r>
+              <a:rPr kumimoji="1" lang="en-US" altLang="zh-TW" dirty="0"/>
+              <a:t>Three tracks: </a:t>
+            </a:r>
+            <a:r>
+              <a:rPr kumimoji="1" lang="en-US" altLang="zh-TW" dirty="0" err="1"/>
+              <a:t>en_es</a:t>
+            </a:r>
+            <a:r>
+              <a:rPr kumimoji="1" lang="en-US" altLang="zh-TW" dirty="0"/>
+              <a:t>, </a:t>
+            </a:r>
+            <a:r>
+              <a:rPr kumimoji="1" lang="en-US" altLang="zh-TW" dirty="0" err="1"/>
+              <a:t>es_en</a:t>
+            </a:r>
+            <a:r>
+              <a:rPr kumimoji="1" lang="en-US" altLang="zh-TW" dirty="0"/>
+              <a:t>, </a:t>
+            </a:r>
+            <a:r>
+              <a:rPr kumimoji="1" lang="en-US" altLang="zh-TW" dirty="0" err="1"/>
+              <a:t>fr_en</a:t>
+            </a:r>
+            <a:endParaRPr kumimoji="1" lang="en-US" altLang="zh-TW" dirty="0"/>
+          </a:p>
+          <a:p>
+            <a:r>
               <a:rPr kumimoji="1" lang="en-US" altLang="zh-TW" dirty="0">
                 <a:hlinkClick r:id="rId2"/>
               </a:rPr>
@@ -3712,91 +3754,91 @@
               <a:buNone/>
             </a:pPr>
             <a:r>
-              <a:rPr lang="en-US" altLang="zh-TW" sz="1500" dirty="0">
+              <a:rPr lang="en-US" altLang="zh-TW" sz="1400" dirty="0">
                 <a:latin typeface="Consolas" panose="020B0609020204030204" pitchFamily="49" charset="0"/>
                 <a:cs typeface="Consolas" panose="020B0609020204030204" pitchFamily="49" charset="0"/>
               </a:rPr>
               <a:t># </a:t>
             </a:r>
             <a:r>
-              <a:rPr lang="en-US" altLang="zh-TW" sz="1500" dirty="0" err="1">
+              <a:rPr lang="en-US" altLang="zh-TW" sz="1400" dirty="0" err="1">
                 <a:latin typeface="Consolas" panose="020B0609020204030204" pitchFamily="49" charset="0"/>
                 <a:cs typeface="Consolas" panose="020B0609020204030204" pitchFamily="49" charset="0"/>
               </a:rPr>
               <a:t>user:YjS</a:t>
             </a:r>
             <a:r>
-              <a:rPr lang="en-US" altLang="zh-TW" sz="1500" dirty="0">
+              <a:rPr lang="en-US" altLang="zh-TW" sz="1400" dirty="0">
                 <a:latin typeface="Consolas" panose="020B0609020204030204" pitchFamily="49" charset="0"/>
                 <a:cs typeface="Consolas" panose="020B0609020204030204" pitchFamily="49" charset="0"/>
               </a:rPr>
               <a:t>/</a:t>
             </a:r>
             <a:r>
-              <a:rPr lang="en-US" altLang="zh-TW" sz="1500" dirty="0" err="1">
+              <a:rPr lang="en-US" altLang="zh-TW" sz="1400" dirty="0" err="1">
                 <a:latin typeface="Consolas" panose="020B0609020204030204" pitchFamily="49" charset="0"/>
                 <a:cs typeface="Consolas" panose="020B0609020204030204" pitchFamily="49" charset="0"/>
               </a:rPr>
               <a:t>mQOx</a:t>
             </a:r>
             <a:r>
-              <a:rPr lang="en-US" altLang="zh-TW" sz="1500" dirty="0">
+              <a:rPr lang="en-US" altLang="zh-TW" sz="1400" dirty="0">
                 <a:latin typeface="Consolas" panose="020B0609020204030204" pitchFamily="49" charset="0"/>
                 <a:cs typeface="Consolas" panose="020B0609020204030204" pitchFamily="49" charset="0"/>
               </a:rPr>
               <a:t> </a:t>
             </a:r>
             <a:r>
-              <a:rPr lang="en-US" altLang="zh-TW" sz="1500" dirty="0" err="1">
+              <a:rPr lang="en-US" altLang="zh-TW" sz="1400" dirty="0" err="1">
                 <a:latin typeface="Consolas" panose="020B0609020204030204" pitchFamily="49" charset="0"/>
                 <a:cs typeface="Consolas" panose="020B0609020204030204" pitchFamily="49" charset="0"/>
               </a:rPr>
               <a:t>countries:CA</a:t>
             </a:r>
             <a:r>
-              <a:rPr lang="en-US" altLang="zh-TW" sz="1500" dirty="0">
+              <a:rPr lang="en-US" altLang="zh-TW" sz="1400" dirty="0">
                 <a:latin typeface="Consolas" panose="020B0609020204030204" pitchFamily="49" charset="0"/>
                 <a:cs typeface="Consolas" panose="020B0609020204030204" pitchFamily="49" charset="0"/>
               </a:rPr>
               <a:t> days:20.133 </a:t>
             </a:r>
             <a:r>
-              <a:rPr lang="en-US" altLang="zh-TW" sz="1500" dirty="0" err="1">
+              <a:rPr lang="en-US" altLang="zh-TW" sz="1400" dirty="0" err="1">
                 <a:latin typeface="Consolas" panose="020B0609020204030204" pitchFamily="49" charset="0"/>
                 <a:cs typeface="Consolas" panose="020B0609020204030204" pitchFamily="49" charset="0"/>
               </a:rPr>
               <a:t>client:web</a:t>
             </a:r>
             <a:r>
-              <a:rPr lang="en-US" altLang="zh-TW" sz="1500" dirty="0">
+              <a:rPr lang="en-US" altLang="zh-TW" sz="1400" dirty="0">
                 <a:latin typeface="Consolas" panose="020B0609020204030204" pitchFamily="49" charset="0"/>
                 <a:cs typeface="Consolas" panose="020B0609020204030204" pitchFamily="49" charset="0"/>
               </a:rPr>
               <a:t> </a:t>
             </a:r>
             <a:r>
-              <a:rPr lang="en-US" altLang="zh-TW" sz="1500" dirty="0" err="1">
+              <a:rPr lang="en-US" altLang="zh-TW" sz="1400" dirty="0" err="1">
                 <a:latin typeface="Consolas" panose="020B0609020204030204" pitchFamily="49" charset="0"/>
                 <a:cs typeface="Consolas" panose="020B0609020204030204" pitchFamily="49" charset="0"/>
               </a:rPr>
               <a:t>session:lesson</a:t>
             </a:r>
             <a:r>
-              <a:rPr lang="en-US" altLang="zh-TW" sz="1500" dirty="0">
+              <a:rPr lang="en-US" altLang="zh-TW" sz="1400" dirty="0">
                 <a:latin typeface="Consolas" panose="020B0609020204030204" pitchFamily="49" charset="0"/>
                 <a:cs typeface="Consolas" panose="020B0609020204030204" pitchFamily="49" charset="0"/>
               </a:rPr>
               <a:t> </a:t>
             </a:r>
             <a:r>
-              <a:rPr lang="en-US" altLang="zh-TW" sz="1500" dirty="0" err="1">
+              <a:rPr lang="en-US" altLang="zh-TW" sz="1400" dirty="0" err="1">
                 <a:latin typeface="Consolas" panose="020B0609020204030204" pitchFamily="49" charset="0"/>
                 <a:cs typeface="Consolas" panose="020B0609020204030204" pitchFamily="49" charset="0"/>
               </a:rPr>
               <a:t>format:reverse_translate</a:t>
             </a:r>
             <a:r>
-              <a:rPr lang="en-US" altLang="zh-TW" sz="1500" dirty="0">
+              <a:rPr lang="en-US" altLang="zh-TW" sz="1400" dirty="0">
                 <a:latin typeface="Consolas" panose="020B0609020204030204" pitchFamily="49" charset="0"/>
                 <a:cs typeface="Consolas" panose="020B0609020204030204" pitchFamily="49" charset="0"/>
               </a:rPr>
@@ -3808,63 +3850,63 @@
               <a:buNone/>
             </a:pPr>
             <a:r>
-              <a:rPr lang="en-US" altLang="zh-TW" sz="1500" dirty="0">
+              <a:rPr lang="en-US" altLang="zh-TW" sz="1400" dirty="0">
                 <a:latin typeface="Consolas" panose="020B0609020204030204" pitchFamily="49" charset="0"/>
                 <a:cs typeface="Consolas" panose="020B0609020204030204" pitchFamily="49" charset="0"/>
               </a:rPr>
               <a:t>/A/dQZMu0101 </a:t>
             </a:r>
             <a:r>
-              <a:rPr lang="en-US" altLang="zh-TW" sz="1500" dirty="0" err="1">
+              <a:rPr lang="en-US" altLang="zh-TW" sz="1400" dirty="0" err="1">
                 <a:latin typeface="Consolas" panose="020B0609020204030204" pitchFamily="49" charset="0"/>
                 <a:cs typeface="Consolas" panose="020B0609020204030204" pitchFamily="49" charset="0"/>
               </a:rPr>
               <a:t>Je</a:t>
             </a:r>
             <a:r>
-              <a:rPr lang="en-US" altLang="zh-TW" sz="1500" dirty="0">
+              <a:rPr lang="en-US" altLang="zh-TW" sz="1400" dirty="0">
                 <a:latin typeface="Consolas" panose="020B0609020204030204" pitchFamily="49" charset="0"/>
                 <a:cs typeface="Consolas" panose="020B0609020204030204" pitchFamily="49" charset="0"/>
               </a:rPr>
               <a:t> PRON Number=</a:t>
             </a:r>
             <a:r>
-              <a:rPr lang="en-US" altLang="zh-TW" sz="1500" dirty="0" err="1">
+              <a:rPr lang="en-US" altLang="zh-TW" sz="1400" dirty="0" err="1">
                 <a:latin typeface="Consolas" panose="020B0609020204030204" pitchFamily="49" charset="0"/>
                 <a:cs typeface="Consolas" panose="020B0609020204030204" pitchFamily="49" charset="0"/>
               </a:rPr>
               <a:t>Sing|Person</a:t>
             </a:r>
             <a:r>
-              <a:rPr lang="en-US" altLang="zh-TW" sz="1500" dirty="0">
+              <a:rPr lang="en-US" altLang="zh-TW" sz="1400" dirty="0">
                 <a:latin typeface="Consolas" panose="020B0609020204030204" pitchFamily="49" charset="0"/>
                 <a:cs typeface="Consolas" panose="020B0609020204030204" pitchFamily="49" charset="0"/>
               </a:rPr>
               <a:t>=1|PronType=</a:t>
             </a:r>
             <a:r>
-              <a:rPr lang="en-US" altLang="zh-TW" sz="1500" dirty="0" err="1">
+              <a:rPr lang="en-US" altLang="zh-TW" sz="1400" dirty="0" err="1">
                 <a:latin typeface="Consolas" panose="020B0609020204030204" pitchFamily="49" charset="0"/>
                 <a:cs typeface="Consolas" panose="020B0609020204030204" pitchFamily="49" charset="0"/>
               </a:rPr>
               <a:t>Prs|fPOS</a:t>
             </a:r>
             <a:r>
-              <a:rPr lang="en-US" altLang="zh-TW" sz="1500" dirty="0">
+              <a:rPr lang="en-US" altLang="zh-TW" sz="1400" dirty="0">
                 <a:latin typeface="Consolas" panose="020B0609020204030204" pitchFamily="49" charset="0"/>
                 <a:cs typeface="Consolas" panose="020B0609020204030204" pitchFamily="49" charset="0"/>
               </a:rPr>
               <a:t>=PRON++ </a:t>
             </a:r>
             <a:r>
-              <a:rPr lang="en-US" altLang="zh-TW" sz="1500" dirty="0" err="1">
+              <a:rPr lang="en-US" altLang="zh-TW" sz="1400" dirty="0" err="1">
                 <a:latin typeface="Consolas" panose="020B0609020204030204" pitchFamily="49" charset="0"/>
                 <a:cs typeface="Consolas" panose="020B0609020204030204" pitchFamily="49" charset="0"/>
               </a:rPr>
               <a:t>nsubj</a:t>
             </a:r>
             <a:r>
-              <a:rPr lang="en-US" altLang="zh-TW" sz="1500" dirty="0">
+              <a:rPr lang="en-US" altLang="zh-TW" sz="1400" dirty="0">
                 <a:latin typeface="Consolas" panose="020B0609020204030204" pitchFamily="49" charset="0"/>
                 <a:cs typeface="Consolas" panose="020B0609020204030204" pitchFamily="49" charset="0"/>
               </a:rPr>
@@ -3876,77 +3918,77 @@
               <a:buNone/>
             </a:pPr>
             <a:r>
-              <a:rPr lang="en-US" altLang="zh-TW" sz="1500" dirty="0">
+              <a:rPr lang="en-US" altLang="zh-TW" sz="1400" dirty="0">
                 <a:latin typeface="Consolas" panose="020B0609020204030204" pitchFamily="49" charset="0"/>
                 <a:cs typeface="Consolas" panose="020B0609020204030204" pitchFamily="49" charset="0"/>
               </a:rPr>
               <a:t>/A/dQZMu0102 </a:t>
             </a:r>
             <a:r>
-              <a:rPr lang="en-US" altLang="zh-TW" sz="1500" dirty="0" err="1">
+              <a:rPr lang="en-US" altLang="zh-TW" sz="1400" dirty="0" err="1">
                 <a:latin typeface="Consolas" panose="020B0609020204030204" pitchFamily="49" charset="0"/>
                 <a:cs typeface="Consolas" panose="020B0609020204030204" pitchFamily="49" charset="0"/>
               </a:rPr>
               <a:t>suis</a:t>
             </a:r>
             <a:r>
-              <a:rPr lang="en-US" altLang="zh-TW" sz="1500" dirty="0">
+              <a:rPr lang="en-US" altLang="zh-TW" sz="1400" dirty="0">
                 <a:latin typeface="Consolas" panose="020B0609020204030204" pitchFamily="49" charset="0"/>
                 <a:cs typeface="Consolas" panose="020B0609020204030204" pitchFamily="49" charset="0"/>
               </a:rPr>
               <a:t> VERB Mood=</a:t>
             </a:r>
             <a:r>
-              <a:rPr lang="en-US" altLang="zh-TW" sz="1500" dirty="0" err="1">
+              <a:rPr lang="en-US" altLang="zh-TW" sz="1400" dirty="0" err="1">
                 <a:latin typeface="Consolas" panose="020B0609020204030204" pitchFamily="49" charset="0"/>
                 <a:cs typeface="Consolas" panose="020B0609020204030204" pitchFamily="49" charset="0"/>
               </a:rPr>
               <a:t>Ind|Number</a:t>
             </a:r>
             <a:r>
-              <a:rPr lang="en-US" altLang="zh-TW" sz="1500" dirty="0">
+              <a:rPr lang="en-US" altLang="zh-TW" sz="1400" dirty="0">
                 <a:latin typeface="Consolas" panose="020B0609020204030204" pitchFamily="49" charset="0"/>
                 <a:cs typeface="Consolas" panose="020B0609020204030204" pitchFamily="49" charset="0"/>
               </a:rPr>
               <a:t>=</a:t>
             </a:r>
             <a:r>
-              <a:rPr lang="en-US" altLang="zh-TW" sz="1500" dirty="0" err="1">
+              <a:rPr lang="en-US" altLang="zh-TW" sz="1400" dirty="0" err="1">
                 <a:latin typeface="Consolas" panose="020B0609020204030204" pitchFamily="49" charset="0"/>
                 <a:cs typeface="Consolas" panose="020B0609020204030204" pitchFamily="49" charset="0"/>
               </a:rPr>
               <a:t>Sing|Person</a:t>
             </a:r>
             <a:r>
-              <a:rPr lang="en-US" altLang="zh-TW" sz="1500" dirty="0">
+              <a:rPr lang="en-US" altLang="zh-TW" sz="1400" dirty="0">
                 <a:latin typeface="Consolas" panose="020B0609020204030204" pitchFamily="49" charset="0"/>
                 <a:cs typeface="Consolas" panose="020B0609020204030204" pitchFamily="49" charset="0"/>
               </a:rPr>
               <a:t>=1|Tense=</a:t>
             </a:r>
             <a:r>
-              <a:rPr lang="en-US" altLang="zh-TW" sz="1500" dirty="0" err="1">
+              <a:rPr lang="en-US" altLang="zh-TW" sz="1400" dirty="0" err="1">
                 <a:latin typeface="Consolas" panose="020B0609020204030204" pitchFamily="49" charset="0"/>
                 <a:cs typeface="Consolas" panose="020B0609020204030204" pitchFamily="49" charset="0"/>
               </a:rPr>
               <a:t>Pres|VerbForm</a:t>
             </a:r>
             <a:r>
-              <a:rPr lang="en-US" altLang="zh-TW" sz="1500" dirty="0">
+              <a:rPr lang="en-US" altLang="zh-TW" sz="1400" dirty="0">
                 <a:latin typeface="Consolas" panose="020B0609020204030204" pitchFamily="49" charset="0"/>
                 <a:cs typeface="Consolas" panose="020B0609020204030204" pitchFamily="49" charset="0"/>
               </a:rPr>
               <a:t>=</a:t>
             </a:r>
             <a:r>
-              <a:rPr lang="en-US" altLang="zh-TW" sz="1500" dirty="0" err="1">
+              <a:rPr lang="en-US" altLang="zh-TW" sz="1400" dirty="0" err="1">
                 <a:latin typeface="Consolas" panose="020B0609020204030204" pitchFamily="49" charset="0"/>
                 <a:cs typeface="Consolas" panose="020B0609020204030204" pitchFamily="49" charset="0"/>
               </a:rPr>
               <a:t>Fin|fPOS</a:t>
             </a:r>
             <a:r>
-              <a:rPr lang="en-US" altLang="zh-TW" sz="1500" dirty="0">
+              <a:rPr lang="en-US" altLang="zh-TW" sz="1400" dirty="0">
                 <a:latin typeface="Consolas" panose="020B0609020204030204" pitchFamily="49" charset="0"/>
                 <a:cs typeface="Consolas" panose="020B0609020204030204" pitchFamily="49" charset="0"/>
               </a:rPr>
@@ -3958,49 +4000,49 @@
               <a:buNone/>
             </a:pPr>
             <a:r>
-              <a:rPr lang="en-US" altLang="zh-TW" sz="1500" dirty="0">
+              <a:rPr lang="en-US" altLang="zh-TW" sz="1400" dirty="0">
                 <a:latin typeface="Consolas" panose="020B0609020204030204" pitchFamily="49" charset="0"/>
                 <a:cs typeface="Consolas" panose="020B0609020204030204" pitchFamily="49" charset="0"/>
               </a:rPr>
               <a:t>/A/dQZMu0103 </a:t>
             </a:r>
             <a:r>
-              <a:rPr lang="en-US" altLang="zh-TW" sz="1500" dirty="0" err="1">
+              <a:rPr lang="en-US" altLang="zh-TW" sz="1400" dirty="0" err="1">
                 <a:latin typeface="Consolas" panose="020B0609020204030204" pitchFamily="49" charset="0"/>
                 <a:cs typeface="Consolas" panose="020B0609020204030204" pitchFamily="49" charset="0"/>
               </a:rPr>
               <a:t>sûr</a:t>
             </a:r>
             <a:r>
-              <a:rPr lang="en-US" altLang="zh-TW" sz="1500" dirty="0">
+              <a:rPr lang="en-US" altLang="zh-TW" sz="1400" dirty="0">
                 <a:latin typeface="Consolas" panose="020B0609020204030204" pitchFamily="49" charset="0"/>
                 <a:cs typeface="Consolas" panose="020B0609020204030204" pitchFamily="49" charset="0"/>
               </a:rPr>
               <a:t> ADJ Gender=</a:t>
             </a:r>
             <a:r>
-              <a:rPr lang="en-US" altLang="zh-TW" sz="1500" dirty="0" err="1">
+              <a:rPr lang="en-US" altLang="zh-TW" sz="1400" dirty="0" err="1">
                 <a:latin typeface="Consolas" panose="020B0609020204030204" pitchFamily="49" charset="0"/>
                 <a:cs typeface="Consolas" panose="020B0609020204030204" pitchFamily="49" charset="0"/>
               </a:rPr>
               <a:t>Masc|Number</a:t>
             </a:r>
             <a:r>
-              <a:rPr lang="en-US" altLang="zh-TW" sz="1500" dirty="0">
+              <a:rPr lang="en-US" altLang="zh-TW" sz="1400" dirty="0">
                 <a:latin typeface="Consolas" panose="020B0609020204030204" pitchFamily="49" charset="0"/>
                 <a:cs typeface="Consolas" panose="020B0609020204030204" pitchFamily="49" charset="0"/>
               </a:rPr>
               <a:t>=</a:t>
             </a:r>
             <a:r>
-              <a:rPr lang="en-US" altLang="zh-TW" sz="1500" dirty="0" err="1">
+              <a:rPr lang="en-US" altLang="zh-TW" sz="1400" dirty="0" err="1">
                 <a:latin typeface="Consolas" panose="020B0609020204030204" pitchFamily="49" charset="0"/>
                 <a:cs typeface="Consolas" panose="020B0609020204030204" pitchFamily="49" charset="0"/>
               </a:rPr>
               <a:t>Sing|fPOS</a:t>
             </a:r>
             <a:r>
-              <a:rPr lang="en-US" altLang="zh-TW" sz="1500" dirty="0">
+              <a:rPr lang="en-US" altLang="zh-TW" sz="1400" dirty="0">
                 <a:latin typeface="Consolas" panose="020B0609020204030204" pitchFamily="49" charset="0"/>
                 <a:cs typeface="Consolas" panose="020B0609020204030204" pitchFamily="49" charset="0"/>
               </a:rPr>
@@ -4012,97 +4054,97 @@
               <a:buNone/>
             </a:pPr>
             <a:br>
-              <a:rPr lang="en-US" altLang="zh-TW" sz="1500" dirty="0">
+              <a:rPr lang="en-US" altLang="zh-TW" sz="1400" dirty="0">
                 <a:latin typeface="Consolas" panose="020B0609020204030204" pitchFamily="49" charset="0"/>
                 <a:cs typeface="Consolas" panose="020B0609020204030204" pitchFamily="49" charset="0"/>
               </a:rPr>
             </a:br>
             <a:r>
-              <a:rPr lang="en-US" altLang="zh-TW" sz="1500" dirty="0">
+              <a:rPr lang="en-US" altLang="zh-TW" sz="1400" dirty="0">
                 <a:latin typeface="Consolas" panose="020B0609020204030204" pitchFamily="49" charset="0"/>
                 <a:cs typeface="Consolas" panose="020B0609020204030204" pitchFamily="49" charset="0"/>
               </a:rPr>
               <a:t># </a:t>
             </a:r>
             <a:r>
-              <a:rPr lang="en-US" altLang="zh-TW" sz="1500" dirty="0" err="1">
+              <a:rPr lang="en-US" altLang="zh-TW" sz="1400" dirty="0" err="1">
                 <a:latin typeface="Consolas" panose="020B0609020204030204" pitchFamily="49" charset="0"/>
                 <a:cs typeface="Consolas" panose="020B0609020204030204" pitchFamily="49" charset="0"/>
               </a:rPr>
               <a:t>user:YjS</a:t>
             </a:r>
             <a:r>
-              <a:rPr lang="en-US" altLang="zh-TW" sz="1500" dirty="0">
+              <a:rPr lang="en-US" altLang="zh-TW" sz="1400" dirty="0">
                 <a:latin typeface="Consolas" panose="020B0609020204030204" pitchFamily="49" charset="0"/>
                 <a:cs typeface="Consolas" panose="020B0609020204030204" pitchFamily="49" charset="0"/>
               </a:rPr>
               <a:t>/</a:t>
             </a:r>
             <a:r>
-              <a:rPr lang="en-US" altLang="zh-TW" sz="1500" dirty="0" err="1">
+              <a:rPr lang="en-US" altLang="zh-TW" sz="1400" dirty="0" err="1">
                 <a:latin typeface="Consolas" panose="020B0609020204030204" pitchFamily="49" charset="0"/>
                 <a:cs typeface="Consolas" panose="020B0609020204030204" pitchFamily="49" charset="0"/>
               </a:rPr>
               <a:t>mQOx</a:t>
             </a:r>
             <a:r>
-              <a:rPr lang="en-US" altLang="zh-TW" sz="1500" dirty="0">
+              <a:rPr lang="en-US" altLang="zh-TW" sz="1400" dirty="0">
                 <a:latin typeface="Consolas" panose="020B0609020204030204" pitchFamily="49" charset="0"/>
                 <a:cs typeface="Consolas" panose="020B0609020204030204" pitchFamily="49" charset="0"/>
               </a:rPr>
               <a:t> </a:t>
             </a:r>
             <a:r>
-              <a:rPr lang="en-US" altLang="zh-TW" sz="1500" dirty="0" err="1">
+              <a:rPr lang="en-US" altLang="zh-TW" sz="1400" dirty="0" err="1">
                 <a:latin typeface="Consolas" panose="020B0609020204030204" pitchFamily="49" charset="0"/>
                 <a:cs typeface="Consolas" panose="020B0609020204030204" pitchFamily="49" charset="0"/>
               </a:rPr>
               <a:t>countries:CA</a:t>
             </a:r>
             <a:r>
-              <a:rPr lang="en-US" altLang="zh-TW" sz="1500" dirty="0">
+              <a:rPr lang="en-US" altLang="zh-TW" sz="1400" dirty="0">
                 <a:latin typeface="Consolas" panose="020B0609020204030204" pitchFamily="49" charset="0"/>
                 <a:cs typeface="Consolas" panose="020B0609020204030204" pitchFamily="49" charset="0"/>
               </a:rPr>
               <a:t> days:20.136 </a:t>
             </a:r>
             <a:r>
-              <a:rPr lang="en-US" altLang="zh-TW" sz="1500" dirty="0" err="1">
+              <a:rPr lang="en-US" altLang="zh-TW" sz="1400" dirty="0" err="1">
                 <a:latin typeface="Consolas" panose="020B0609020204030204" pitchFamily="49" charset="0"/>
                 <a:cs typeface="Consolas" panose="020B0609020204030204" pitchFamily="49" charset="0"/>
               </a:rPr>
               <a:t>client:web</a:t>
             </a:r>
             <a:r>
-              <a:rPr lang="en-US" altLang="zh-TW" sz="1500" dirty="0">
+              <a:rPr lang="en-US" altLang="zh-TW" sz="1400" dirty="0">
                 <a:latin typeface="Consolas" panose="020B0609020204030204" pitchFamily="49" charset="0"/>
                 <a:cs typeface="Consolas" panose="020B0609020204030204" pitchFamily="49" charset="0"/>
               </a:rPr>
               <a:t> </a:t>
             </a:r>
             <a:r>
-              <a:rPr lang="en-US" altLang="zh-TW" sz="1500" dirty="0" err="1">
+              <a:rPr lang="en-US" altLang="zh-TW" sz="1400" dirty="0" err="1">
                 <a:latin typeface="Consolas" panose="020B0609020204030204" pitchFamily="49" charset="0"/>
                 <a:cs typeface="Consolas" panose="020B0609020204030204" pitchFamily="49" charset="0"/>
               </a:rPr>
               <a:t>session:lesson</a:t>
             </a:r>
             <a:r>
-              <a:rPr lang="en-US" altLang="zh-TW" sz="1500" dirty="0">
+              <a:rPr lang="en-US" altLang="zh-TW" sz="1400" dirty="0">
                 <a:latin typeface="Consolas" panose="020B0609020204030204" pitchFamily="49" charset="0"/>
                 <a:cs typeface="Consolas" panose="020B0609020204030204" pitchFamily="49" charset="0"/>
               </a:rPr>
               <a:t> </a:t>
             </a:r>
             <a:r>
-              <a:rPr lang="en-US" altLang="zh-TW" sz="1500" dirty="0" err="1">
+              <a:rPr lang="en-US" altLang="zh-TW" sz="1400" dirty="0" err="1">
                 <a:latin typeface="Consolas" panose="020B0609020204030204" pitchFamily="49" charset="0"/>
                 <a:cs typeface="Consolas" panose="020B0609020204030204" pitchFamily="49" charset="0"/>
               </a:rPr>
               <a:t>format:reverse_translate</a:t>
             </a:r>
             <a:r>
-              <a:rPr lang="en-US" altLang="zh-TW" sz="1500" dirty="0">
+              <a:rPr lang="en-US" altLang="zh-TW" sz="1400" dirty="0">
                 <a:latin typeface="Consolas" panose="020B0609020204030204" pitchFamily="49" charset="0"/>
                 <a:cs typeface="Consolas" panose="020B0609020204030204" pitchFamily="49" charset="0"/>
               </a:rPr>
@@ -4114,49 +4156,49 @@
               <a:buNone/>
             </a:pPr>
             <a:r>
-              <a:rPr lang="en-US" altLang="zh-TW" sz="1500" dirty="0">
+              <a:rPr lang="en-US" altLang="zh-TW" sz="1400" dirty="0">
                 <a:latin typeface="Consolas" panose="020B0609020204030204" pitchFamily="49" charset="0"/>
                 <a:cs typeface="Consolas" panose="020B0609020204030204" pitchFamily="49" charset="0"/>
               </a:rPr>
               <a:t>QtTuzqbZ0101 Ce DET Gender=</a:t>
             </a:r>
             <a:r>
-              <a:rPr lang="en-US" altLang="zh-TW" sz="1500" dirty="0" err="1">
+              <a:rPr lang="en-US" altLang="zh-TW" sz="1400" dirty="0" err="1">
                 <a:latin typeface="Consolas" panose="020B0609020204030204" pitchFamily="49" charset="0"/>
                 <a:cs typeface="Consolas" panose="020B0609020204030204" pitchFamily="49" charset="0"/>
               </a:rPr>
               <a:t>Masc|Number</a:t>
             </a:r>
             <a:r>
-              <a:rPr lang="en-US" altLang="zh-TW" sz="1500" dirty="0">
+              <a:rPr lang="en-US" altLang="zh-TW" sz="1400" dirty="0">
                 <a:latin typeface="Consolas" panose="020B0609020204030204" pitchFamily="49" charset="0"/>
                 <a:cs typeface="Consolas" panose="020B0609020204030204" pitchFamily="49" charset="0"/>
               </a:rPr>
               <a:t>=</a:t>
             </a:r>
             <a:r>
-              <a:rPr lang="en-US" altLang="zh-TW" sz="1500" dirty="0" err="1">
+              <a:rPr lang="en-US" altLang="zh-TW" sz="1400" dirty="0" err="1">
                 <a:latin typeface="Consolas" panose="020B0609020204030204" pitchFamily="49" charset="0"/>
                 <a:cs typeface="Consolas" panose="020B0609020204030204" pitchFamily="49" charset="0"/>
               </a:rPr>
               <a:t>Sing|fPOS</a:t>
             </a:r>
             <a:r>
-              <a:rPr lang="en-US" altLang="zh-TW" sz="1500" dirty="0">
+              <a:rPr lang="en-US" altLang="zh-TW" sz="1400" dirty="0">
                 <a:latin typeface="Consolas" panose="020B0609020204030204" pitchFamily="49" charset="0"/>
                 <a:cs typeface="Consolas" panose="020B0609020204030204" pitchFamily="49" charset="0"/>
               </a:rPr>
               <a:t>=DET++ </a:t>
             </a:r>
             <a:r>
-              <a:rPr lang="en-US" altLang="zh-TW" sz="1500" dirty="0" err="1">
+              <a:rPr lang="en-US" altLang="zh-TW" sz="1400" dirty="0" err="1">
                 <a:latin typeface="Consolas" panose="020B0609020204030204" pitchFamily="49" charset="0"/>
                 <a:cs typeface="Consolas" panose="020B0609020204030204" pitchFamily="49" charset="0"/>
               </a:rPr>
               <a:t>det</a:t>
             </a:r>
             <a:r>
-              <a:rPr lang="en-US" altLang="zh-TW" sz="1500" dirty="0">
+              <a:rPr lang="en-US" altLang="zh-TW" sz="1400" dirty="0">
                 <a:latin typeface="Consolas" panose="020B0609020204030204" pitchFamily="49" charset="0"/>
                 <a:cs typeface="Consolas" panose="020B0609020204030204" pitchFamily="49" charset="0"/>
               </a:rPr>
@@ -4168,49 +4210,49 @@
               <a:buNone/>
             </a:pPr>
             <a:r>
-              <a:rPr lang="en-US" altLang="zh-TW" sz="1500" dirty="0">
+              <a:rPr lang="en-US" altLang="zh-TW" sz="1400" dirty="0">
                 <a:latin typeface="Consolas" panose="020B0609020204030204" pitchFamily="49" charset="0"/>
                 <a:cs typeface="Consolas" panose="020B0609020204030204" pitchFamily="49" charset="0"/>
               </a:rPr>
               <a:t>QtTuzqbZ0102 cheval NOUN Gender=</a:t>
             </a:r>
             <a:r>
-              <a:rPr lang="en-US" altLang="zh-TW" sz="1500" dirty="0" err="1">
+              <a:rPr lang="en-US" altLang="zh-TW" sz="1400" dirty="0" err="1">
                 <a:latin typeface="Consolas" panose="020B0609020204030204" pitchFamily="49" charset="0"/>
                 <a:cs typeface="Consolas" panose="020B0609020204030204" pitchFamily="49" charset="0"/>
               </a:rPr>
               <a:t>Masc|Number</a:t>
             </a:r>
             <a:r>
-              <a:rPr lang="en-US" altLang="zh-TW" sz="1500" dirty="0">
+              <a:rPr lang="en-US" altLang="zh-TW" sz="1400" dirty="0">
                 <a:latin typeface="Consolas" panose="020B0609020204030204" pitchFamily="49" charset="0"/>
                 <a:cs typeface="Consolas" panose="020B0609020204030204" pitchFamily="49" charset="0"/>
               </a:rPr>
               <a:t>=</a:t>
             </a:r>
             <a:r>
-              <a:rPr lang="en-US" altLang="zh-TW" sz="1500" dirty="0" err="1">
+              <a:rPr lang="en-US" altLang="zh-TW" sz="1400" dirty="0" err="1">
                 <a:latin typeface="Consolas" panose="020B0609020204030204" pitchFamily="49" charset="0"/>
                 <a:cs typeface="Consolas" panose="020B0609020204030204" pitchFamily="49" charset="0"/>
               </a:rPr>
               <a:t>Sing|fPOS</a:t>
             </a:r>
             <a:r>
-              <a:rPr lang="en-US" altLang="zh-TW" sz="1500" dirty="0">
+              <a:rPr lang="en-US" altLang="zh-TW" sz="1400" dirty="0">
                 <a:latin typeface="Consolas" panose="020B0609020204030204" pitchFamily="49" charset="0"/>
                 <a:cs typeface="Consolas" panose="020B0609020204030204" pitchFamily="49" charset="0"/>
               </a:rPr>
               <a:t>=NOUN++ </a:t>
             </a:r>
             <a:r>
-              <a:rPr lang="en-US" altLang="zh-TW" sz="1500" dirty="0" err="1">
+              <a:rPr lang="en-US" altLang="zh-TW" sz="1400" dirty="0" err="1">
                 <a:latin typeface="Consolas" panose="020B0609020204030204" pitchFamily="49" charset="0"/>
                 <a:cs typeface="Consolas" panose="020B0609020204030204" pitchFamily="49" charset="0"/>
               </a:rPr>
               <a:t>nsubj</a:t>
             </a:r>
             <a:r>
-              <a:rPr lang="en-US" altLang="zh-TW" sz="1500" dirty="0">
+              <a:rPr lang="en-US" altLang="zh-TW" sz="1400" dirty="0">
                 <a:latin typeface="Consolas" panose="020B0609020204030204" pitchFamily="49" charset="0"/>
                 <a:cs typeface="Consolas" panose="020B0609020204030204" pitchFamily="49" charset="0"/>
               </a:rPr>
@@ -4222,77 +4264,77 @@
               <a:buNone/>
             </a:pPr>
             <a:r>
-              <a:rPr lang="en-US" altLang="zh-TW" sz="1500" dirty="0">
+              <a:rPr lang="en-US" altLang="zh-TW" sz="1400" dirty="0">
                 <a:latin typeface="Consolas" panose="020B0609020204030204" pitchFamily="49" charset="0"/>
                 <a:cs typeface="Consolas" panose="020B0609020204030204" pitchFamily="49" charset="0"/>
               </a:rPr>
               <a:t>QtTuzqbZ0103 </a:t>
             </a:r>
             <a:r>
-              <a:rPr lang="en-US" altLang="zh-TW" sz="1500" dirty="0" err="1">
+              <a:rPr lang="en-US" altLang="zh-TW" sz="1400" dirty="0" err="1">
                 <a:latin typeface="Consolas" panose="020B0609020204030204" pitchFamily="49" charset="0"/>
                 <a:cs typeface="Consolas" panose="020B0609020204030204" pitchFamily="49" charset="0"/>
               </a:rPr>
               <a:t>est</a:t>
             </a:r>
             <a:r>
-              <a:rPr lang="en-US" altLang="zh-TW" sz="1500" dirty="0">
+              <a:rPr lang="en-US" altLang="zh-TW" sz="1400" dirty="0">
                 <a:latin typeface="Consolas" panose="020B0609020204030204" pitchFamily="49" charset="0"/>
                 <a:cs typeface="Consolas" panose="020B0609020204030204" pitchFamily="49" charset="0"/>
               </a:rPr>
               <a:t> VERB Mood=</a:t>
             </a:r>
             <a:r>
-              <a:rPr lang="en-US" altLang="zh-TW" sz="1500" dirty="0" err="1">
+              <a:rPr lang="en-US" altLang="zh-TW" sz="1400" dirty="0" err="1">
                 <a:latin typeface="Consolas" panose="020B0609020204030204" pitchFamily="49" charset="0"/>
                 <a:cs typeface="Consolas" panose="020B0609020204030204" pitchFamily="49" charset="0"/>
               </a:rPr>
               <a:t>Ind|Number</a:t>
             </a:r>
             <a:r>
-              <a:rPr lang="en-US" altLang="zh-TW" sz="1500" dirty="0">
+              <a:rPr lang="en-US" altLang="zh-TW" sz="1400" dirty="0">
                 <a:latin typeface="Consolas" panose="020B0609020204030204" pitchFamily="49" charset="0"/>
                 <a:cs typeface="Consolas" panose="020B0609020204030204" pitchFamily="49" charset="0"/>
               </a:rPr>
               <a:t>=</a:t>
             </a:r>
             <a:r>
-              <a:rPr lang="en-US" altLang="zh-TW" sz="1500" dirty="0" err="1">
+              <a:rPr lang="en-US" altLang="zh-TW" sz="1400" dirty="0" err="1">
                 <a:latin typeface="Consolas" panose="020B0609020204030204" pitchFamily="49" charset="0"/>
                 <a:cs typeface="Consolas" panose="020B0609020204030204" pitchFamily="49" charset="0"/>
               </a:rPr>
               <a:t>Sing|Person</a:t>
             </a:r>
             <a:r>
-              <a:rPr lang="en-US" altLang="zh-TW" sz="1500" dirty="0">
+              <a:rPr lang="en-US" altLang="zh-TW" sz="1400" dirty="0">
                 <a:latin typeface="Consolas" panose="020B0609020204030204" pitchFamily="49" charset="0"/>
                 <a:cs typeface="Consolas" panose="020B0609020204030204" pitchFamily="49" charset="0"/>
               </a:rPr>
               <a:t>=3|Tense=</a:t>
             </a:r>
             <a:r>
-              <a:rPr lang="en-US" altLang="zh-TW" sz="1500" dirty="0" err="1">
+              <a:rPr lang="en-US" altLang="zh-TW" sz="1400" dirty="0" err="1">
                 <a:latin typeface="Consolas" panose="020B0609020204030204" pitchFamily="49" charset="0"/>
                 <a:cs typeface="Consolas" panose="020B0609020204030204" pitchFamily="49" charset="0"/>
               </a:rPr>
               <a:t>Pres|VerbForm</a:t>
             </a:r>
             <a:r>
-              <a:rPr lang="en-US" altLang="zh-TW" sz="1500" dirty="0">
+              <a:rPr lang="en-US" altLang="zh-TW" sz="1400" dirty="0">
                 <a:latin typeface="Consolas" panose="020B0609020204030204" pitchFamily="49" charset="0"/>
                 <a:cs typeface="Consolas" panose="020B0609020204030204" pitchFamily="49" charset="0"/>
               </a:rPr>
               <a:t>=</a:t>
             </a:r>
             <a:r>
-              <a:rPr lang="en-US" altLang="zh-TW" sz="1500" dirty="0" err="1">
+              <a:rPr lang="en-US" altLang="zh-TW" sz="1400" dirty="0" err="1">
                 <a:latin typeface="Consolas" panose="020B0609020204030204" pitchFamily="49" charset="0"/>
                 <a:cs typeface="Consolas" panose="020B0609020204030204" pitchFamily="49" charset="0"/>
               </a:rPr>
               <a:t>Fin|fPOS</a:t>
             </a:r>
             <a:r>
-              <a:rPr lang="en-US" altLang="zh-TW" sz="1500" dirty="0">
+              <a:rPr lang="en-US" altLang="zh-TW" sz="1400" dirty="0">
                 <a:latin typeface="Consolas" panose="020B0609020204030204" pitchFamily="49" charset="0"/>
                 <a:cs typeface="Consolas" panose="020B0609020204030204" pitchFamily="49" charset="0"/>
               </a:rPr>
@@ -4304,49 +4346,49 @@
               <a:buNone/>
             </a:pPr>
             <a:r>
-              <a:rPr lang="en-US" altLang="zh-TW" sz="1500" dirty="0">
+              <a:rPr lang="en-US" altLang="zh-TW" sz="1400" dirty="0">
                 <a:latin typeface="Consolas" panose="020B0609020204030204" pitchFamily="49" charset="0"/>
                 <a:cs typeface="Consolas" panose="020B0609020204030204" pitchFamily="49" charset="0"/>
               </a:rPr>
               <a:t>QtTuzqbZ0104 </a:t>
             </a:r>
             <a:r>
-              <a:rPr lang="en-US" altLang="zh-TW" sz="1500" dirty="0" err="1">
+              <a:rPr lang="en-US" altLang="zh-TW" sz="1400" dirty="0" err="1">
                 <a:latin typeface="Consolas" panose="020B0609020204030204" pitchFamily="49" charset="0"/>
                 <a:cs typeface="Consolas" panose="020B0609020204030204" pitchFamily="49" charset="0"/>
               </a:rPr>
               <a:t>nul</a:t>
             </a:r>
             <a:r>
-              <a:rPr lang="en-US" altLang="zh-TW" sz="1500" dirty="0">
+              <a:rPr lang="en-US" altLang="zh-TW" sz="1400" dirty="0">
                 <a:latin typeface="Consolas" panose="020B0609020204030204" pitchFamily="49" charset="0"/>
                 <a:cs typeface="Consolas" panose="020B0609020204030204" pitchFamily="49" charset="0"/>
               </a:rPr>
               <a:t> ADJ Gender=</a:t>
             </a:r>
             <a:r>
-              <a:rPr lang="en-US" altLang="zh-TW" sz="1500" dirty="0" err="1">
+              <a:rPr lang="en-US" altLang="zh-TW" sz="1400" dirty="0" err="1">
                 <a:latin typeface="Consolas" panose="020B0609020204030204" pitchFamily="49" charset="0"/>
                 <a:cs typeface="Consolas" panose="020B0609020204030204" pitchFamily="49" charset="0"/>
               </a:rPr>
               <a:t>Masc|Number</a:t>
             </a:r>
             <a:r>
-              <a:rPr lang="en-US" altLang="zh-TW" sz="1500" dirty="0">
+              <a:rPr lang="en-US" altLang="zh-TW" sz="1400" dirty="0">
                 <a:latin typeface="Consolas" panose="020B0609020204030204" pitchFamily="49" charset="0"/>
                 <a:cs typeface="Consolas" panose="020B0609020204030204" pitchFamily="49" charset="0"/>
               </a:rPr>
               <a:t>=</a:t>
             </a:r>
             <a:r>
-              <a:rPr lang="en-US" altLang="zh-TW" sz="1500" dirty="0" err="1">
+              <a:rPr lang="en-US" altLang="zh-TW" sz="1400" dirty="0" err="1">
                 <a:latin typeface="Consolas" panose="020B0609020204030204" pitchFamily="49" charset="0"/>
                 <a:cs typeface="Consolas" panose="020B0609020204030204" pitchFamily="49" charset="0"/>
               </a:rPr>
               <a:t>Sing|fPOS</a:t>
             </a:r>
             <a:r>
-              <a:rPr lang="en-US" altLang="zh-TW" sz="1500" dirty="0">
+              <a:rPr lang="en-US" altLang="zh-TW" sz="1400" dirty="0">
                 <a:latin typeface="Consolas" panose="020B0609020204030204" pitchFamily="49" charset="0"/>
                 <a:cs typeface="Consolas" panose="020B0609020204030204" pitchFamily="49" charset="0"/>
               </a:rPr>
@@ -4357,7 +4399,7 @@
             <a:pPr marL="0" indent="0">
               <a:buNone/>
             </a:pPr>
-            <a:endParaRPr kumimoji="1" lang="zh-TW" altLang="en-US" dirty="0"/>
+            <a:endParaRPr kumimoji="1" lang="zh-TW" altLang="en-US" sz="1400" dirty="0"/>
           </a:p>
         </p:txBody>
       </p:sp>
@@ -4724,19 +4766,19 @@
             </a:r>
             <a:r>
               <a:rPr kumimoji="1" lang="en-US" altLang="zh-TW" dirty="0"/>
-              <a:t> uses IWLS</a:t>
+              <a:t> uses IWLS (Iterative (Re)Weighted Least Square)</a:t>
             </a:r>
           </a:p>
           <a:p>
             <a:r>
               <a:rPr kumimoji="1" lang="en-US" altLang="zh-TW" dirty="0"/>
-              <a:t>Time series data in R</a:t>
+              <a:t>Time series features</a:t>
             </a:r>
           </a:p>
           <a:p>
             <a:r>
               <a:rPr kumimoji="1" lang="en-US" altLang="zh-TW" dirty="0"/>
-              <a:t>Moral: Algorithm vital</a:t>
+              <a:t>Moral: Algorithm matters</a:t>
             </a:r>
             <a:endParaRPr kumimoji="1" lang="zh-TW" altLang="en-US" dirty="0"/>
           </a:p>
@@ -4824,12 +4866,6 @@
           <a:p>
             <a:r>
               <a:rPr kumimoji="1" lang="en-US" altLang="zh-TW" dirty="0"/>
-              <a:t>‘Big Data’ in R</a:t>
-            </a:r>
-          </a:p>
-          <a:p>
-            <a:r>
-              <a:rPr kumimoji="1" lang="en-US" altLang="zh-TW" dirty="0"/>
               <a:t>Learned many ultimately unused things</a:t>
             </a:r>
           </a:p>
@@ -4845,6 +4881,31 @@
             <a:r>
               <a:rPr kumimoji="1" lang="en-US" altLang="zh-TW" dirty="0"/>
               <a:t>GBDT</a:t>
+            </a:r>
+          </a:p>
+          <a:p>
+            <a:pPr lvl="1"/>
+            <a:r>
+              <a:rPr kumimoji="1" lang="en-US" altLang="zh-TW" dirty="0"/>
+              <a:t>NLP (not much)</a:t>
+            </a:r>
+          </a:p>
+          <a:p>
+            <a:r>
+              <a:rPr kumimoji="1" lang="en-US" altLang="zh-TW" dirty="0"/>
+              <a:t>Computational resource restriction</a:t>
+            </a:r>
+          </a:p>
+          <a:p>
+            <a:r>
+              <a:rPr kumimoji="1" lang="en-US" altLang="zh-TW" dirty="0"/>
+              <a:t>Data from beginners</a:t>
+            </a:r>
+          </a:p>
+          <a:p>
+            <a:r>
+              <a:rPr kumimoji="1" lang="en-US" altLang="zh-TW" dirty="0"/>
+              <a:t>Next step: try different algorithm again</a:t>
             </a:r>
           </a:p>
           <a:p>

--- a/docs/MSLA.pptx
+++ b/docs/MSLA.pptx
@@ -120,18 +120,33 @@
   <pc:docChgLst>
     <pc:chgData name="John Peng" userId="af76b61eaa52bb00" providerId="LiveId" clId="{09199EAC-BA90-6D4D-9C25-8E6784950FFF}"/>
     <pc:docChg chg="custSel addSld modSld">
-      <pc:chgData name="John Peng" userId="af76b61eaa52bb00" providerId="LiveId" clId="{09199EAC-BA90-6D4D-9C25-8E6784950FFF}" dt="2019-01-15T01:14:38.428" v="598" actId="313"/>
+      <pc:chgData name="John Peng" userId="af76b61eaa52bb00" providerId="LiveId" clId="{09199EAC-BA90-6D4D-9C25-8E6784950FFF}" dt="2019-01-15T01:48:27.143" v="664" actId="20577"/>
       <pc:docMkLst>
         <pc:docMk/>
       </pc:docMkLst>
       <pc:sldChg chg="modSp">
-        <pc:chgData name="John Peng" userId="af76b61eaa52bb00" providerId="LiveId" clId="{09199EAC-BA90-6D4D-9C25-8E6784950FFF}" dt="2019-01-15T01:10:55.187" v="574" actId="20577"/>
+        <pc:chgData name="John Peng" userId="af76b61eaa52bb00" providerId="LiveId" clId="{09199EAC-BA90-6D4D-9C25-8E6784950FFF}" dt="2019-01-15T01:31:35.055" v="632" actId="20577"/>
+        <pc:sldMkLst>
+          <pc:docMk/>
+          <pc:sldMk cId="4028022320" sldId="256"/>
+        </pc:sldMkLst>
+        <pc:spChg chg="mod">
+          <ac:chgData name="John Peng" userId="af76b61eaa52bb00" providerId="LiveId" clId="{09199EAC-BA90-6D4D-9C25-8E6784950FFF}" dt="2019-01-15T01:31:35.055" v="632" actId="20577"/>
+          <ac:spMkLst>
+            <pc:docMk/>
+            <pc:sldMk cId="4028022320" sldId="256"/>
+            <ac:spMk id="3" creationId="{3A7DAAC3-1DDB-AD48-AB89-999C63962CC9}"/>
+          </ac:spMkLst>
+        </pc:spChg>
+      </pc:sldChg>
+      <pc:sldChg chg="modSp">
+        <pc:chgData name="John Peng" userId="af76b61eaa52bb00" providerId="LiveId" clId="{09199EAC-BA90-6D4D-9C25-8E6784950FFF}" dt="2019-01-15T01:48:27.143" v="664" actId="20577"/>
         <pc:sldMkLst>
           <pc:docMk/>
           <pc:sldMk cId="107430572" sldId="259"/>
         </pc:sldMkLst>
         <pc:spChg chg="mod">
-          <ac:chgData name="John Peng" userId="af76b61eaa52bb00" providerId="LiveId" clId="{09199EAC-BA90-6D4D-9C25-8E6784950FFF}" dt="2019-01-15T01:10:55.187" v="574" actId="20577"/>
+          <ac:chgData name="John Peng" userId="af76b61eaa52bb00" providerId="LiveId" clId="{09199EAC-BA90-6D4D-9C25-8E6784950FFF}" dt="2019-01-15T01:48:27.143" v="664" actId="20577"/>
           <ac:spMkLst>
             <pc:docMk/>
             <pc:sldMk cId="107430572" sldId="259"/>
@@ -151,6 +166,21 @@
             <pc:docMk/>
             <pc:sldMk cId="2292997941" sldId="260"/>
             <ac:spMk id="3" creationId="{C5769980-5DD2-7E4C-BF50-B4708124DD5B}"/>
+          </ac:spMkLst>
+        </pc:spChg>
+      </pc:sldChg>
+      <pc:sldChg chg="modSp">
+        <pc:chgData name="John Peng" userId="af76b61eaa52bb00" providerId="LiveId" clId="{09199EAC-BA90-6D4D-9C25-8E6784950FFF}" dt="2019-01-15T01:27:34.729" v="630" actId="20577"/>
+        <pc:sldMkLst>
+          <pc:docMk/>
+          <pc:sldMk cId="3969037497" sldId="261"/>
+        </pc:sldMkLst>
+        <pc:spChg chg="mod">
+          <ac:chgData name="John Peng" userId="af76b61eaa52bb00" providerId="LiveId" clId="{09199EAC-BA90-6D4D-9C25-8E6784950FFF}" dt="2019-01-15T01:27:34.729" v="630" actId="20577"/>
+          <ac:spMkLst>
+            <pc:docMk/>
+            <pc:sldMk cId="3969037497" sldId="261"/>
+            <ac:spMk id="3" creationId="{AF6C9B0B-B5F0-2C42-AE7D-83146FFA5932}"/>
           </ac:spMkLst>
         </pc:spChg>
       </pc:sldChg>
@@ -3329,7 +3359,24 @@
           <a:bodyPr/>
           <a:lstStyle/>
           <a:p>
-            <a:endParaRPr kumimoji="1" lang="zh-TW" altLang="en-US"/>
+            <a:r>
+              <a:rPr lang="zh-TW" altLang="en-US" dirty="0"/>
+              <a:t>彭賢訓，</a:t>
+            </a:r>
+            <a:r>
+              <a:rPr lang="en-US" altLang="zh-TW" dirty="0"/>
+              <a:t>107753030</a:t>
+            </a:r>
+          </a:p>
+          <a:p>
+            <a:r>
+              <a:rPr lang="zh-TW" altLang="en-US" dirty="0"/>
+              <a:t>陳研佑，</a:t>
+            </a:r>
+            <a:r>
+              <a:rPr lang="en-US" altLang="zh-TW" dirty="0"/>
+              <a:t>107753021</a:t>
+            </a:r>
           </a:p>
         </p:txBody>
       </p:sp>
@@ -3551,6 +3598,17 @@
               <a:rPr kumimoji="1" lang="en-US" altLang="zh-TW" dirty="0"/>
               <a:t>NLP, machine learning, cognitive science</a:t>
             </a:r>
+          </a:p>
+          <a:p>
+            <a:r>
+              <a:rPr kumimoji="1" lang="en-US" altLang="zh-TW" dirty="0"/>
+              <a:t>Predicting </a:t>
+            </a:r>
+            <a:r>
+              <a:rPr kumimoji="1" lang="en-US" altLang="zh-TW"/>
+              <a:t>student mistakes</a:t>
+            </a:r>
+            <a:endParaRPr kumimoji="1" lang="en-US" altLang="zh-TW" dirty="0"/>
           </a:p>
           <a:p>
             <a:r>
@@ -4541,6 +4599,12 @@
             <a:r>
               <a:rPr kumimoji="1" lang="en-US" altLang="zh-TW" dirty="0"/>
               <a:t>Days and time (relative)</a:t>
+            </a:r>
+          </a:p>
+          <a:p>
+            <a:r>
+              <a:rPr kumimoji="1" lang="en-US" altLang="zh-TW" dirty="0"/>
+              <a:t>Not much feature engineering</a:t>
             </a:r>
             <a:endParaRPr kumimoji="1" lang="zh-TW" altLang="en-US" dirty="0"/>
           </a:p>
